--- a/img/Icon.pptx
+++ b/img/Icon.pptx
@@ -3545,10 +3545,10 @@
       </p:grpSpPr>
       <p:grpSp>
         <p:nvGrpSpPr>
-          <p:cNvPr id="10" name="Group 9">
-            <a:extLst>
-              <a:ext uri="{FF2B5EF4-FFF2-40B4-BE49-F238E27FC236}">
-                <a16:creationId xmlns:a16="http://schemas.microsoft.com/office/drawing/2014/main" id="{E70A79A9-AFDA-44F7-BA50-D879203B12EF}"/>
+          <p:cNvPr id="3" name="Group 2">
+            <a:extLst>
+              <a:ext uri="{FF2B5EF4-FFF2-40B4-BE49-F238E27FC236}">
+                <a16:creationId xmlns:a16="http://schemas.microsoft.com/office/drawing/2014/main" id="{DAF7ABC5-C69D-4EBB-A569-F4004B6E1191}"/>
               </a:ext>
             </a:extLst>
           </p:cNvPr>
@@ -3586,9 +3586,7 @@
               </a:avLst>
             </a:prstGeom>
             <a:solidFill>
-              <a:schemeClr val="accent1">
-                <a:lumMod val="75000"/>
-              </a:schemeClr>
+              <a:srgbClr val="002060"/>
             </a:solidFill>
           </p:spPr>
           <p:style>
@@ -3618,57 +3616,6 @@
         </p:sp>
         <p:sp>
           <p:nvSpPr>
-            <p:cNvPr id="5" name="Oval 4">
-              <a:extLst>
-                <a:ext uri="{FF2B5EF4-FFF2-40B4-BE49-F238E27FC236}">
-                  <a16:creationId xmlns:a16="http://schemas.microsoft.com/office/drawing/2014/main" id="{B748754B-A0AB-46D7-B00F-7F8D3AD07F26}"/>
-                </a:ext>
-              </a:extLst>
-            </p:cNvPr>
-            <p:cNvSpPr>
-              <a:spLocks noChangeAspect="1"/>
-            </p:cNvSpPr>
-            <p:nvPr/>
-          </p:nvSpPr>
-          <p:spPr>
-            <a:xfrm>
-              <a:off x="2681816" y="720898"/>
-              <a:ext cx="5040000" cy="5040000"/>
-            </a:xfrm>
-            <a:prstGeom prst="ellipse">
-              <a:avLst/>
-            </a:prstGeom>
-            <a:solidFill>
-              <a:schemeClr val="bg1"/>
-            </a:solidFill>
-          </p:spPr>
-          <p:style>
-            <a:lnRef idx="2">
-              <a:schemeClr val="accent1">
-                <a:shade val="50000"/>
-              </a:schemeClr>
-            </a:lnRef>
-            <a:fillRef idx="1">
-              <a:schemeClr val="accent1"/>
-            </a:fillRef>
-            <a:effectRef idx="0">
-              <a:schemeClr val="accent1"/>
-            </a:effectRef>
-            <a:fontRef idx="minor">
-              <a:schemeClr val="lt1"/>
-            </a:fontRef>
-          </p:style>
-          <p:txBody>
-            <a:bodyPr rtlCol="0" anchor="ctr"/>
-            <a:lstStyle/>
-            <a:p>
-              <a:pPr algn="ctr"/>
-              <a:endParaRPr lang="en-IN" dirty="0"/>
-            </a:p>
-          </p:txBody>
-        </p:sp>
-        <p:sp>
-          <p:nvSpPr>
             <p:cNvPr id="2" name="Rectangle 1">
               <a:extLst>
                 <a:ext uri="{FF2B5EF4-FFF2-40B4-BE49-F238E27FC236}">
@@ -3681,7 +3628,7 @@
           </p:nvSpPr>
           <p:spPr>
             <a:xfrm>
-              <a:off x="3128383" y="606490"/>
+              <a:off x="3231019" y="791048"/>
               <a:ext cx="3941593" cy="4508927"/>
             </a:xfrm>
             <a:prstGeom prst="rect">

--- a/img/Icon.pptx
+++ b/img/Icon.pptx
@@ -5,8 +5,8 @@
     <p:sldMasterId id="2147483648" r:id="rId1"/>
   </p:sldMasterIdLst>
   <p:sldIdLst>
-    <p:sldId id="257" r:id="rId2"/>
-    <p:sldId id="258" r:id="rId3"/>
+    <p:sldId id="258" r:id="rId2"/>
+    <p:sldId id="257" r:id="rId3"/>
   </p:sldIdLst>
   <p:sldSz cx="12192000" cy="6858000"/>
   <p:notesSz cx="6858000" cy="9144000"/>
@@ -3350,6 +3350,194 @@
       </p:grpSpPr>
       <p:grpSp>
         <p:nvGrpSpPr>
+          <p:cNvPr id="3" name="Group 2">
+            <a:extLst>
+              <a:ext uri="{FF2B5EF4-FFF2-40B4-BE49-F238E27FC236}">
+                <a16:creationId xmlns:a16="http://schemas.microsoft.com/office/drawing/2014/main" id="{DAF7ABC5-C69D-4EBB-A569-F4004B6E1191}"/>
+              </a:ext>
+            </a:extLst>
+          </p:cNvPr>
+          <p:cNvGrpSpPr>
+            <a:grpSpLocks/>
+          </p:cNvGrpSpPr>
+          <p:nvPr/>
+        </p:nvGrpSpPr>
+        <p:grpSpPr>
+          <a:xfrm>
+            <a:off x="2500604" y="531845"/>
+            <a:ext cx="5400000" cy="5400000"/>
+            <a:chOff x="2500604" y="531845"/>
+            <a:chExt cx="5402425" cy="5418107"/>
+          </a:xfrm>
+        </p:grpSpPr>
+        <p:sp>
+          <p:nvSpPr>
+            <p:cNvPr id="4" name="Rectangle: Rounded Corners 3">
+              <a:extLst>
+                <a:ext uri="{FF2B5EF4-FFF2-40B4-BE49-F238E27FC236}">
+                  <a16:creationId xmlns:a16="http://schemas.microsoft.com/office/drawing/2014/main" id="{5390AD7F-828F-4ABE-83BD-08880557BAB2}"/>
+                </a:ext>
+              </a:extLst>
+            </p:cNvPr>
+            <p:cNvSpPr/>
+            <p:nvPr/>
+          </p:nvSpPr>
+          <p:spPr>
+            <a:xfrm>
+              <a:off x="2500604" y="531845"/>
+              <a:ext cx="5402425" cy="5418107"/>
+            </a:xfrm>
+            <a:prstGeom prst="roundRect">
+              <a:avLst>
+                <a:gd name="adj" fmla="val 8282"/>
+              </a:avLst>
+            </a:prstGeom>
+            <a:solidFill>
+              <a:srgbClr val="002060"/>
+            </a:solidFill>
+          </p:spPr>
+          <p:style>
+            <a:lnRef idx="2">
+              <a:schemeClr val="accent1">
+                <a:shade val="50000"/>
+              </a:schemeClr>
+            </a:lnRef>
+            <a:fillRef idx="1">
+              <a:schemeClr val="accent1"/>
+            </a:fillRef>
+            <a:effectRef idx="0">
+              <a:schemeClr val="accent1"/>
+            </a:effectRef>
+            <a:fontRef idx="minor">
+              <a:schemeClr val="lt1"/>
+            </a:fontRef>
+          </p:style>
+          <p:txBody>
+            <a:bodyPr rtlCol="0" anchor="ctr"/>
+            <a:lstStyle/>
+            <a:p>
+              <a:pPr algn="ctr"/>
+              <a:endParaRPr lang="en-IN">
+                <a:solidFill>
+                  <a:schemeClr val="bg1"/>
+                </a:solidFill>
+              </a:endParaRPr>
+            </a:p>
+          </p:txBody>
+        </p:sp>
+        <p:sp>
+          <p:nvSpPr>
+            <p:cNvPr id="2" name="Rectangle 1">
+              <a:extLst>
+                <a:ext uri="{FF2B5EF4-FFF2-40B4-BE49-F238E27FC236}">
+                  <a16:creationId xmlns:a16="http://schemas.microsoft.com/office/drawing/2014/main" id="{3F96354C-A66F-4851-8E51-DB69FE50BFFF}"/>
+                </a:ext>
+              </a:extLst>
+            </p:cNvPr>
+            <p:cNvSpPr/>
+            <p:nvPr/>
+          </p:nvSpPr>
+          <p:spPr>
+            <a:xfrm>
+              <a:off x="3231019" y="791048"/>
+              <a:ext cx="3941593" cy="4508927"/>
+            </a:xfrm>
+            <a:prstGeom prst="rect">
+              <a:avLst/>
+            </a:prstGeom>
+            <a:noFill/>
+          </p:spPr>
+          <p:txBody>
+            <a:bodyPr wrap="none" lIns="91440" tIns="45720" rIns="91440" bIns="45720">
+              <a:spAutoFit/>
+            </a:bodyPr>
+            <a:lstStyle/>
+            <a:p>
+              <a:pPr algn="ctr"/>
+              <a:r>
+                <a:rPr lang="en-US" sz="28700" b="1" cap="none" spc="50" dirty="0">
+                  <a:ln w="0"/>
+                  <a:solidFill>
+                    <a:schemeClr val="bg1"/>
+                  </a:solidFill>
+                  <a:effectLst>
+                    <a:innerShdw blurRad="63500" dist="50800" dir="13500000">
+                      <a:srgbClr val="000000">
+                        <a:alpha val="50000"/>
+                      </a:srgbClr>
+                    </a:innerShdw>
+                  </a:effectLst>
+                  <a:latin typeface="Stencil" panose="040409050D0802020404" pitchFamily="82" charset="0"/>
+                </a:rPr>
+                <a:t>O</a:t>
+              </a:r>
+              <a:r>
+                <a:rPr lang="en-US" sz="28700" b="1" cap="none" spc="50" baseline="-25000" dirty="0">
+                  <a:ln w="0"/>
+                  <a:solidFill>
+                    <a:schemeClr val="bg1"/>
+                  </a:solidFill>
+                  <a:effectLst>
+                    <a:innerShdw blurRad="63500" dist="50800" dir="13500000">
+                      <a:srgbClr val="000000">
+                        <a:alpha val="50000"/>
+                      </a:srgbClr>
+                    </a:innerShdw>
+                  </a:effectLst>
+                  <a:latin typeface="Stencil" panose="040409050D0802020404" pitchFamily="82" charset="0"/>
+                </a:rPr>
+                <a:t>2</a:t>
+              </a:r>
+              <a:endParaRPr lang="en-US" sz="34400" b="1" cap="none" spc="50" baseline="-25000" dirty="0">
+                <a:ln w="0"/>
+                <a:solidFill>
+                  <a:schemeClr val="bg1"/>
+                </a:solidFill>
+                <a:effectLst>
+                  <a:innerShdw blurRad="63500" dist="50800" dir="13500000">
+                    <a:srgbClr val="000000">
+                      <a:alpha val="50000"/>
+                    </a:srgbClr>
+                  </a:innerShdw>
+                </a:effectLst>
+                <a:latin typeface="Stencil" panose="040409050D0802020404" pitchFamily="82" charset="0"/>
+              </a:endParaRPr>
+            </a:p>
+          </p:txBody>
+        </p:sp>
+      </p:grpSp>
+    </p:spTree>
+    <p:extLst>
+      <p:ext uri="{BB962C8B-B14F-4D97-AF65-F5344CB8AC3E}">
+        <p14:creationId xmlns:p14="http://schemas.microsoft.com/office/powerpoint/2010/main" val="1542598595"/>
+      </p:ext>
+    </p:extLst>
+  </p:cSld>
+  <p:clrMapOvr>
+    <a:masterClrMapping/>
+  </p:clrMapOvr>
+</p:sld>
+</file>
+
+<file path=ppt/slides/slide2.xml><?xml version="1.0" encoding="utf-8"?>
+<p:sld xmlns:a="http://schemas.openxmlformats.org/drawingml/2006/main" xmlns:r="http://schemas.openxmlformats.org/officeDocument/2006/relationships" xmlns:p="http://schemas.openxmlformats.org/presentationml/2006/main">
+  <p:cSld>
+    <p:spTree>
+      <p:nvGrpSpPr>
+        <p:cNvPr id="1" name=""/>
+        <p:cNvGrpSpPr/>
+        <p:nvPr/>
+      </p:nvGrpSpPr>
+      <p:grpSpPr>
+        <a:xfrm>
+          <a:off x="0" y="0"/>
+          <a:ext cx="0" cy="0"/>
+          <a:chOff x="0" y="0"/>
+          <a:chExt cx="0" cy="0"/>
+        </a:xfrm>
+      </p:grpSpPr>
+      <p:grpSp>
+        <p:nvGrpSpPr>
           <p:cNvPr id="8" name="Group 7">
             <a:extLst>
               <a:ext uri="{FF2B5EF4-FFF2-40B4-BE49-F238E27FC236}">
@@ -3517,197 +3705,6 @@
     <p:extLst>
       <p:ext uri="{BB962C8B-B14F-4D97-AF65-F5344CB8AC3E}">
         <p14:creationId xmlns:p14="http://schemas.microsoft.com/office/powerpoint/2010/main" val="2610806345"/>
-      </p:ext>
-    </p:extLst>
-  </p:cSld>
-  <p:clrMapOvr>
-    <a:masterClrMapping/>
-  </p:clrMapOvr>
-</p:sld>
-</file>
-
-<file path=ppt/slides/slide2.xml><?xml version="1.0" encoding="utf-8"?>
-<p:sld xmlns:a="http://schemas.openxmlformats.org/drawingml/2006/main" xmlns:r="http://schemas.openxmlformats.org/officeDocument/2006/relationships" xmlns:p="http://schemas.openxmlformats.org/presentationml/2006/main">
-  <p:cSld>
-    <p:spTree>
-      <p:nvGrpSpPr>
-        <p:cNvPr id="1" name=""/>
-        <p:cNvGrpSpPr/>
-        <p:nvPr/>
-      </p:nvGrpSpPr>
-      <p:grpSpPr>
-        <a:xfrm>
-          <a:off x="0" y="0"/>
-          <a:ext cx="0" cy="0"/>
-          <a:chOff x="0" y="0"/>
-          <a:chExt cx="0" cy="0"/>
-        </a:xfrm>
-      </p:grpSpPr>
-      <p:grpSp>
-        <p:nvGrpSpPr>
-          <p:cNvPr id="3" name="Group 2">
-            <a:extLst>
-              <a:ext uri="{FF2B5EF4-FFF2-40B4-BE49-F238E27FC236}">
-                <a16:creationId xmlns:a16="http://schemas.microsoft.com/office/drawing/2014/main" id="{DAF7ABC5-C69D-4EBB-A569-F4004B6E1191}"/>
-              </a:ext>
-            </a:extLst>
-          </p:cNvPr>
-          <p:cNvGrpSpPr/>
-          <p:nvPr/>
-        </p:nvGrpSpPr>
-        <p:grpSpPr>
-          <a:xfrm>
-            <a:off x="2500604" y="531845"/>
-            <a:ext cx="5402425" cy="5418107"/>
-            <a:chOff x="2500604" y="531845"/>
-            <a:chExt cx="5402425" cy="5418107"/>
-          </a:xfrm>
-        </p:grpSpPr>
-        <p:sp>
-          <p:nvSpPr>
-            <p:cNvPr id="4" name="Rectangle: Rounded Corners 3">
-              <a:extLst>
-                <a:ext uri="{FF2B5EF4-FFF2-40B4-BE49-F238E27FC236}">
-                  <a16:creationId xmlns:a16="http://schemas.microsoft.com/office/drawing/2014/main" id="{5390AD7F-828F-4ABE-83BD-08880557BAB2}"/>
-                </a:ext>
-              </a:extLst>
-            </p:cNvPr>
-            <p:cNvSpPr/>
-            <p:nvPr/>
-          </p:nvSpPr>
-          <p:spPr>
-            <a:xfrm>
-              <a:off x="2500604" y="531845"/>
-              <a:ext cx="5402425" cy="5418107"/>
-            </a:xfrm>
-            <a:prstGeom prst="roundRect">
-              <a:avLst>
-                <a:gd name="adj" fmla="val 8282"/>
-              </a:avLst>
-            </a:prstGeom>
-            <a:solidFill>
-              <a:srgbClr val="002060"/>
-            </a:solidFill>
-          </p:spPr>
-          <p:style>
-            <a:lnRef idx="2">
-              <a:schemeClr val="accent1">
-                <a:shade val="50000"/>
-              </a:schemeClr>
-            </a:lnRef>
-            <a:fillRef idx="1">
-              <a:schemeClr val="accent1"/>
-            </a:fillRef>
-            <a:effectRef idx="0">
-              <a:schemeClr val="accent1"/>
-            </a:effectRef>
-            <a:fontRef idx="minor">
-              <a:schemeClr val="lt1"/>
-            </a:fontRef>
-          </p:style>
-          <p:txBody>
-            <a:bodyPr rtlCol="0" anchor="ctr"/>
-            <a:lstStyle/>
-            <a:p>
-              <a:pPr algn="ctr"/>
-              <a:endParaRPr lang="en-IN"/>
-            </a:p>
-          </p:txBody>
-        </p:sp>
-        <p:sp>
-          <p:nvSpPr>
-            <p:cNvPr id="2" name="Rectangle 1">
-              <a:extLst>
-                <a:ext uri="{FF2B5EF4-FFF2-40B4-BE49-F238E27FC236}">
-                  <a16:creationId xmlns:a16="http://schemas.microsoft.com/office/drawing/2014/main" id="{3F96354C-A66F-4851-8E51-DB69FE50BFFF}"/>
-                </a:ext>
-              </a:extLst>
-            </p:cNvPr>
-            <p:cNvSpPr/>
-            <p:nvPr/>
-          </p:nvSpPr>
-          <p:spPr>
-            <a:xfrm>
-              <a:off x="3231019" y="791048"/>
-              <a:ext cx="3941593" cy="4508927"/>
-            </a:xfrm>
-            <a:prstGeom prst="rect">
-              <a:avLst/>
-            </a:prstGeom>
-            <a:noFill/>
-          </p:spPr>
-          <p:txBody>
-            <a:bodyPr wrap="none" lIns="91440" tIns="45720" rIns="91440" bIns="45720">
-              <a:spAutoFit/>
-            </a:bodyPr>
-            <a:lstStyle/>
-            <a:p>
-              <a:pPr algn="ctr"/>
-              <a:r>
-                <a:rPr lang="en-US" sz="28700" b="1" cap="none" spc="50" dirty="0">
-                  <a:ln w="0"/>
-                  <a:solidFill>
-                    <a:schemeClr val="accent1">
-                      <a:lumMod val="60000"/>
-                      <a:lumOff val="40000"/>
-                    </a:schemeClr>
-                  </a:solidFill>
-                  <a:effectLst>
-                    <a:innerShdw blurRad="63500" dist="50800" dir="13500000">
-                      <a:srgbClr val="000000">
-                        <a:alpha val="50000"/>
-                      </a:srgbClr>
-                    </a:innerShdw>
-                  </a:effectLst>
-                  <a:latin typeface="Stencil" panose="040409050D0802020404" pitchFamily="82" charset="0"/>
-                </a:rPr>
-                <a:t>O</a:t>
-              </a:r>
-              <a:r>
-                <a:rPr lang="en-US" sz="28700" b="1" cap="none" spc="50" baseline="-25000" dirty="0">
-                  <a:ln w="0"/>
-                  <a:solidFill>
-                    <a:schemeClr val="accent1">
-                      <a:lumMod val="60000"/>
-                      <a:lumOff val="40000"/>
-                    </a:schemeClr>
-                  </a:solidFill>
-                  <a:effectLst>
-                    <a:innerShdw blurRad="63500" dist="50800" dir="13500000">
-                      <a:srgbClr val="000000">
-                        <a:alpha val="50000"/>
-                      </a:srgbClr>
-                    </a:innerShdw>
-                  </a:effectLst>
-                  <a:latin typeface="Stencil" panose="040409050D0802020404" pitchFamily="82" charset="0"/>
-                </a:rPr>
-                <a:t>2</a:t>
-              </a:r>
-              <a:endParaRPr lang="en-US" sz="34400" b="1" cap="none" spc="50" baseline="-25000" dirty="0">
-                <a:ln w="0"/>
-                <a:solidFill>
-                  <a:schemeClr val="accent1">
-                    <a:lumMod val="60000"/>
-                    <a:lumOff val="40000"/>
-                  </a:schemeClr>
-                </a:solidFill>
-                <a:effectLst>
-                  <a:innerShdw blurRad="63500" dist="50800" dir="13500000">
-                    <a:srgbClr val="000000">
-                      <a:alpha val="50000"/>
-                    </a:srgbClr>
-                  </a:innerShdw>
-                </a:effectLst>
-                <a:latin typeface="Stencil" panose="040409050D0802020404" pitchFamily="82" charset="0"/>
-              </a:endParaRPr>
-            </a:p>
-          </p:txBody>
-        </p:sp>
-      </p:grpSp>
-    </p:spTree>
-    <p:extLst>
-      <p:ext uri="{BB962C8B-B14F-4D97-AF65-F5344CB8AC3E}">
-        <p14:creationId xmlns:p14="http://schemas.microsoft.com/office/powerpoint/2010/main" val="1542598595"/>
       </p:ext>
     </p:extLst>
   </p:cSld>

--- a/img/Icon.pptx
+++ b/img/Icon.pptx
@@ -5,8 +5,10 @@
     <p:sldMasterId id="2147483648" r:id="rId1"/>
   </p:sldMasterIdLst>
   <p:sldIdLst>
-    <p:sldId id="258" r:id="rId2"/>
-    <p:sldId id="257" r:id="rId3"/>
+    <p:sldId id="260" r:id="rId2"/>
+    <p:sldId id="258" r:id="rId3"/>
+    <p:sldId id="259" r:id="rId4"/>
+    <p:sldId id="257" r:id="rId5"/>
   </p:sldIdLst>
   <p:sldSz cx="12192000" cy="6858000"/>
   <p:notesSz cx="6858000" cy="9144000"/>
@@ -262,7 +264,7 @@
           <a:p>
             <a:fld id="{ABC79EE4-82C5-4AFA-8729-D69D7A5DCE83}" type="datetimeFigureOut">
               <a:rPr lang="en-IN" smtClean="0"/>
-              <a:t>14-11-2021</a:t>
+              <a:t>15-11-2021</a:t>
             </a:fld>
             <a:endParaRPr lang="en-IN"/>
           </a:p>
@@ -462,7 +464,7 @@
           <a:p>
             <a:fld id="{ABC79EE4-82C5-4AFA-8729-D69D7A5DCE83}" type="datetimeFigureOut">
               <a:rPr lang="en-IN" smtClean="0"/>
-              <a:t>14-11-2021</a:t>
+              <a:t>15-11-2021</a:t>
             </a:fld>
             <a:endParaRPr lang="en-IN"/>
           </a:p>
@@ -672,7 +674,7 @@
           <a:p>
             <a:fld id="{ABC79EE4-82C5-4AFA-8729-D69D7A5DCE83}" type="datetimeFigureOut">
               <a:rPr lang="en-IN" smtClean="0"/>
-              <a:t>14-11-2021</a:t>
+              <a:t>15-11-2021</a:t>
             </a:fld>
             <a:endParaRPr lang="en-IN"/>
           </a:p>
@@ -872,7 +874,7 @@
           <a:p>
             <a:fld id="{ABC79EE4-82C5-4AFA-8729-D69D7A5DCE83}" type="datetimeFigureOut">
               <a:rPr lang="en-IN" smtClean="0"/>
-              <a:t>14-11-2021</a:t>
+              <a:t>15-11-2021</a:t>
             </a:fld>
             <a:endParaRPr lang="en-IN"/>
           </a:p>
@@ -1148,7 +1150,7 @@
           <a:p>
             <a:fld id="{ABC79EE4-82C5-4AFA-8729-D69D7A5DCE83}" type="datetimeFigureOut">
               <a:rPr lang="en-IN" smtClean="0"/>
-              <a:t>14-11-2021</a:t>
+              <a:t>15-11-2021</a:t>
             </a:fld>
             <a:endParaRPr lang="en-IN"/>
           </a:p>
@@ -1416,7 +1418,7 @@
           <a:p>
             <a:fld id="{ABC79EE4-82C5-4AFA-8729-D69D7A5DCE83}" type="datetimeFigureOut">
               <a:rPr lang="en-IN" smtClean="0"/>
-              <a:t>14-11-2021</a:t>
+              <a:t>15-11-2021</a:t>
             </a:fld>
             <a:endParaRPr lang="en-IN"/>
           </a:p>
@@ -1831,7 +1833,7 @@
           <a:p>
             <a:fld id="{ABC79EE4-82C5-4AFA-8729-D69D7A5DCE83}" type="datetimeFigureOut">
               <a:rPr lang="en-IN" smtClean="0"/>
-              <a:t>14-11-2021</a:t>
+              <a:t>15-11-2021</a:t>
             </a:fld>
             <a:endParaRPr lang="en-IN"/>
           </a:p>
@@ -1973,7 +1975,7 @@
           <a:p>
             <a:fld id="{ABC79EE4-82C5-4AFA-8729-D69D7A5DCE83}" type="datetimeFigureOut">
               <a:rPr lang="en-IN" smtClean="0"/>
-              <a:t>14-11-2021</a:t>
+              <a:t>15-11-2021</a:t>
             </a:fld>
             <a:endParaRPr lang="en-IN"/>
           </a:p>
@@ -2086,7 +2088,7 @@
           <a:p>
             <a:fld id="{ABC79EE4-82C5-4AFA-8729-D69D7A5DCE83}" type="datetimeFigureOut">
               <a:rPr lang="en-IN" smtClean="0"/>
-              <a:t>14-11-2021</a:t>
+              <a:t>15-11-2021</a:t>
             </a:fld>
             <a:endParaRPr lang="en-IN"/>
           </a:p>
@@ -2399,7 +2401,7 @@
           <a:p>
             <a:fld id="{ABC79EE4-82C5-4AFA-8729-D69D7A5DCE83}" type="datetimeFigureOut">
               <a:rPr lang="en-IN" smtClean="0"/>
-              <a:t>14-11-2021</a:t>
+              <a:t>15-11-2021</a:t>
             </a:fld>
             <a:endParaRPr lang="en-IN"/>
           </a:p>
@@ -2688,7 +2690,7 @@
           <a:p>
             <a:fld id="{ABC79EE4-82C5-4AFA-8729-D69D7A5DCE83}" type="datetimeFigureOut">
               <a:rPr lang="en-IN" smtClean="0"/>
-              <a:t>14-11-2021</a:t>
+              <a:t>15-11-2021</a:t>
             </a:fld>
             <a:endParaRPr lang="en-IN"/>
           </a:p>
@@ -2931,7 +2933,7 @@
           <a:p>
             <a:fld id="{ABC79EE4-82C5-4AFA-8729-D69D7A5DCE83}" type="datetimeFigureOut">
               <a:rPr lang="en-IN" smtClean="0"/>
-              <a:t>14-11-2021</a:t>
+              <a:t>15-11-2021</a:t>
             </a:fld>
             <a:endParaRPr lang="en-IN"/>
           </a:p>
@@ -3348,6 +3350,263 @@
           <a:chExt cx="0" cy="0"/>
         </a:xfrm>
       </p:grpSpPr>
+      <p:pic>
+        <p:nvPicPr>
+          <p:cNvPr id="3" name="Picture 2" descr="Logo, icon&#10;&#10;Description automatically generated">
+            <a:extLst>
+              <a:ext uri="{FF2B5EF4-FFF2-40B4-BE49-F238E27FC236}">
+                <a16:creationId xmlns:a16="http://schemas.microsoft.com/office/drawing/2014/main" id="{51DD3100-70FB-4D47-A036-4DA99A14E258}"/>
+              </a:ext>
+            </a:extLst>
+          </p:cNvPr>
+          <p:cNvPicPr>
+            <a:picLocks noChangeAspect="1"/>
+          </p:cNvPicPr>
+          <p:nvPr/>
+        </p:nvPicPr>
+        <p:blipFill>
+          <a:blip r:embed="rId2">
+            <a:extLst>
+              <a:ext uri="{28A0092B-C50C-407E-A947-70E740481C1C}">
+                <a14:useLocalDpi xmlns:a14="http://schemas.microsoft.com/office/drawing/2010/main" val="0"/>
+              </a:ext>
+            </a:extLst>
+          </a:blip>
+          <a:stretch>
+            <a:fillRect/>
+          </a:stretch>
+        </p:blipFill>
+        <p:spPr>
+          <a:xfrm>
+            <a:off x="3609085" y="946241"/>
+            <a:ext cx="4973830" cy="4965517"/>
+          </a:xfrm>
+          <a:prstGeom prst="rect">
+            <a:avLst/>
+          </a:prstGeom>
+        </p:spPr>
+      </p:pic>
+    </p:spTree>
+    <p:extLst>
+      <p:ext uri="{BB962C8B-B14F-4D97-AF65-F5344CB8AC3E}">
+        <p14:creationId xmlns:p14="http://schemas.microsoft.com/office/powerpoint/2010/main" val="1690487821"/>
+      </p:ext>
+    </p:extLst>
+  </p:cSld>
+  <p:clrMapOvr>
+    <a:masterClrMapping/>
+  </p:clrMapOvr>
+</p:sld>
+</file>
+
+<file path=ppt/slides/slide2.xml><?xml version="1.0" encoding="utf-8"?>
+<p:sld xmlns:a="http://schemas.openxmlformats.org/drawingml/2006/main" xmlns:r="http://schemas.openxmlformats.org/officeDocument/2006/relationships" xmlns:p="http://schemas.openxmlformats.org/presentationml/2006/main">
+  <p:cSld>
+    <p:spTree>
+      <p:nvGrpSpPr>
+        <p:cNvPr id="1" name=""/>
+        <p:cNvGrpSpPr/>
+        <p:nvPr/>
+      </p:nvGrpSpPr>
+      <p:grpSpPr>
+        <a:xfrm>
+          <a:off x="0" y="0"/>
+          <a:ext cx="0" cy="0"/>
+          <a:chOff x="0" y="0"/>
+          <a:chExt cx="0" cy="0"/>
+        </a:xfrm>
+      </p:grpSpPr>
+      <p:grpSp>
+        <p:nvGrpSpPr>
+          <p:cNvPr id="7" name="Group 6">
+            <a:extLst>
+              <a:ext uri="{FF2B5EF4-FFF2-40B4-BE49-F238E27FC236}">
+                <a16:creationId xmlns:a16="http://schemas.microsoft.com/office/drawing/2014/main" id="{972F1810-8784-4D6C-9282-364ED1DFABBC}"/>
+              </a:ext>
+            </a:extLst>
+          </p:cNvPr>
+          <p:cNvGrpSpPr/>
+          <p:nvPr/>
+        </p:nvGrpSpPr>
+        <p:grpSpPr>
+          <a:xfrm>
+            <a:off x="2750390" y="790182"/>
+            <a:ext cx="5040000" cy="5040000"/>
+            <a:chOff x="2750390" y="790182"/>
+            <a:chExt cx="5040000" cy="5040000"/>
+          </a:xfrm>
+        </p:grpSpPr>
+        <p:sp>
+          <p:nvSpPr>
+            <p:cNvPr id="5" name="Rectangle 4">
+              <a:extLst>
+                <a:ext uri="{FF2B5EF4-FFF2-40B4-BE49-F238E27FC236}">
+                  <a16:creationId xmlns:a16="http://schemas.microsoft.com/office/drawing/2014/main" id="{0E1F7881-25BE-4430-9DBB-F070F4C7876D}"/>
+                </a:ext>
+              </a:extLst>
+            </p:cNvPr>
+            <p:cNvSpPr/>
+            <p:nvPr/>
+          </p:nvSpPr>
+          <p:spPr>
+            <a:xfrm>
+              <a:off x="2750390" y="790182"/>
+              <a:ext cx="5040000" cy="5040000"/>
+            </a:xfrm>
+            <a:prstGeom prst="rect">
+              <a:avLst/>
+            </a:prstGeom>
+            <a:solidFill>
+              <a:schemeClr val="bg1"/>
+            </a:solidFill>
+            <a:ln w="28575">
+              <a:solidFill>
+                <a:srgbClr val="002060"/>
+              </a:solidFill>
+            </a:ln>
+          </p:spPr>
+          <p:style>
+            <a:lnRef idx="2">
+              <a:schemeClr val="accent1">
+                <a:shade val="50000"/>
+              </a:schemeClr>
+            </a:lnRef>
+            <a:fillRef idx="1">
+              <a:schemeClr val="accent1"/>
+            </a:fillRef>
+            <a:effectRef idx="0">
+              <a:schemeClr val="accent1"/>
+            </a:effectRef>
+            <a:fontRef idx="minor">
+              <a:schemeClr val="lt1"/>
+            </a:fontRef>
+          </p:style>
+          <p:txBody>
+            <a:bodyPr rtlCol="0" anchor="ctr"/>
+            <a:lstStyle/>
+            <a:p>
+              <a:pPr algn="ctr"/>
+              <a:endParaRPr lang="en-IN"/>
+            </a:p>
+          </p:txBody>
+        </p:sp>
+        <p:sp>
+          <p:nvSpPr>
+            <p:cNvPr id="2" name="Rectangle 1">
+              <a:extLst>
+                <a:ext uri="{FF2B5EF4-FFF2-40B4-BE49-F238E27FC236}">
+                  <a16:creationId xmlns:a16="http://schemas.microsoft.com/office/drawing/2014/main" id="{3F96354C-A66F-4851-8E51-DB69FE50BFFF}"/>
+                </a:ext>
+              </a:extLst>
+            </p:cNvPr>
+            <p:cNvSpPr/>
+            <p:nvPr/>
+          </p:nvSpPr>
+          <p:spPr>
+            <a:xfrm>
+              <a:off x="3230691" y="790182"/>
+              <a:ext cx="3939824" cy="4493858"/>
+            </a:xfrm>
+            <a:prstGeom prst="rect">
+              <a:avLst/>
+            </a:prstGeom>
+            <a:noFill/>
+          </p:spPr>
+          <p:txBody>
+            <a:bodyPr wrap="none" lIns="91440" tIns="45720" rIns="91440" bIns="45720">
+              <a:spAutoFit/>
+            </a:bodyPr>
+            <a:lstStyle/>
+            <a:p>
+              <a:pPr algn="ctr"/>
+              <a:r>
+                <a:rPr lang="en-US" sz="28700" b="1" cap="none" spc="50" dirty="0">
+                  <a:ln w="0"/>
+                  <a:solidFill>
+                    <a:schemeClr val="accent5">
+                      <a:lumMod val="75000"/>
+                    </a:schemeClr>
+                  </a:solidFill>
+                  <a:effectLst>
+                    <a:innerShdw blurRad="63500" dist="50800" dir="13500000">
+                      <a:srgbClr val="000000">
+                        <a:alpha val="50000"/>
+                      </a:srgbClr>
+                    </a:innerShdw>
+                  </a:effectLst>
+                  <a:latin typeface="Stencil" panose="040409050D0802020404" pitchFamily="82" charset="0"/>
+                </a:rPr>
+                <a:t>O</a:t>
+              </a:r>
+              <a:r>
+                <a:rPr lang="en-US" sz="28700" b="1" cap="none" spc="50" baseline="-25000" dirty="0">
+                  <a:ln w="0"/>
+                  <a:solidFill>
+                    <a:schemeClr val="accent5">
+                      <a:lumMod val="75000"/>
+                    </a:schemeClr>
+                  </a:solidFill>
+                  <a:effectLst>
+                    <a:innerShdw blurRad="63500" dist="50800" dir="13500000">
+                      <a:srgbClr val="000000">
+                        <a:alpha val="50000"/>
+                      </a:srgbClr>
+                    </a:innerShdw>
+                  </a:effectLst>
+                  <a:latin typeface="Stencil" panose="040409050D0802020404" pitchFamily="82" charset="0"/>
+                </a:rPr>
+                <a:t>2</a:t>
+              </a:r>
+              <a:endParaRPr lang="en-US" sz="34400" b="1" cap="none" spc="50" baseline="-25000" dirty="0">
+                <a:ln w="0"/>
+                <a:solidFill>
+                  <a:schemeClr val="accent5">
+                    <a:lumMod val="75000"/>
+                  </a:schemeClr>
+                </a:solidFill>
+                <a:effectLst>
+                  <a:innerShdw blurRad="63500" dist="50800" dir="13500000">
+                    <a:srgbClr val="000000">
+                      <a:alpha val="50000"/>
+                    </a:srgbClr>
+                  </a:innerShdw>
+                </a:effectLst>
+                <a:latin typeface="Stencil" panose="040409050D0802020404" pitchFamily="82" charset="0"/>
+              </a:endParaRPr>
+            </a:p>
+          </p:txBody>
+        </p:sp>
+      </p:grpSp>
+    </p:spTree>
+    <p:extLst>
+      <p:ext uri="{BB962C8B-B14F-4D97-AF65-F5344CB8AC3E}">
+        <p14:creationId xmlns:p14="http://schemas.microsoft.com/office/powerpoint/2010/main" val="1542598595"/>
+      </p:ext>
+    </p:extLst>
+  </p:cSld>
+  <p:clrMapOvr>
+    <a:masterClrMapping/>
+  </p:clrMapOvr>
+</p:sld>
+</file>
+
+<file path=ppt/slides/slide3.xml><?xml version="1.0" encoding="utf-8"?>
+<p:sld xmlns:a="http://schemas.openxmlformats.org/drawingml/2006/main" xmlns:r="http://schemas.openxmlformats.org/officeDocument/2006/relationships" xmlns:p="http://schemas.openxmlformats.org/presentationml/2006/main">
+  <p:cSld>
+    <p:spTree>
+      <p:nvGrpSpPr>
+        <p:cNvPr id="1" name=""/>
+        <p:cNvGrpSpPr/>
+        <p:nvPr/>
+      </p:nvGrpSpPr>
+      <p:grpSpPr>
+        <a:xfrm>
+          <a:off x="0" y="0"/>
+          <a:ext cx="0" cy="0"/>
+          <a:chOff x="0" y="0"/>
+          <a:chExt cx="0" cy="0"/>
+        </a:xfrm>
+      </p:grpSpPr>
       <p:grpSp>
         <p:nvGrpSpPr>
           <p:cNvPr id="3" name="Group 2">
@@ -3509,7 +3768,7 @@
     </p:spTree>
     <p:extLst>
       <p:ext uri="{BB962C8B-B14F-4D97-AF65-F5344CB8AC3E}">
-        <p14:creationId xmlns:p14="http://schemas.microsoft.com/office/powerpoint/2010/main" val="1542598595"/>
+        <p14:creationId xmlns:p14="http://schemas.microsoft.com/office/powerpoint/2010/main" val="627764802"/>
       </p:ext>
     </p:extLst>
   </p:cSld>
@@ -3519,7 +3778,7 @@
 </p:sld>
 </file>
 
-<file path=ppt/slides/slide2.xml><?xml version="1.0" encoding="utf-8"?>
+<file path=ppt/slides/slide4.xml><?xml version="1.0" encoding="utf-8"?>
 <p:sld xmlns:a="http://schemas.openxmlformats.org/drawingml/2006/main" xmlns:r="http://schemas.openxmlformats.org/officeDocument/2006/relationships" xmlns:p="http://schemas.openxmlformats.org/presentationml/2006/main">
   <p:cSld>
     <p:spTree>

--- a/img/Icon.pptx
+++ b/img/Icon.pptx
@@ -3350,42 +3350,115 @@
           <a:chExt cx="0" cy="0"/>
         </a:xfrm>
       </p:grpSpPr>
-      <p:pic>
-        <p:nvPicPr>
-          <p:cNvPr id="3" name="Picture 2" descr="Logo, icon&#10;&#10;Description automatically generated">
-            <a:extLst>
-              <a:ext uri="{FF2B5EF4-FFF2-40B4-BE49-F238E27FC236}">
-                <a16:creationId xmlns:a16="http://schemas.microsoft.com/office/drawing/2014/main" id="{51DD3100-70FB-4D47-A036-4DA99A14E258}"/>
-              </a:ext>
-            </a:extLst>
-          </p:cNvPr>
-          <p:cNvPicPr>
-            <a:picLocks noChangeAspect="1"/>
-          </p:cNvPicPr>
+      <p:grpSp>
+        <p:nvGrpSpPr>
+          <p:cNvPr id="4" name="Group 3">
+            <a:extLst>
+              <a:ext uri="{FF2B5EF4-FFF2-40B4-BE49-F238E27FC236}">
+                <a16:creationId xmlns:a16="http://schemas.microsoft.com/office/drawing/2014/main" id="{3E58DFF7-9D49-4B79-95C3-07798746D0FD}"/>
+              </a:ext>
+            </a:extLst>
+          </p:cNvPr>
+          <p:cNvGrpSpPr/>
           <p:nvPr/>
-        </p:nvPicPr>
-        <p:blipFill>
-          <a:blip r:embed="rId2">
-            <a:extLst>
-              <a:ext uri="{28A0092B-C50C-407E-A947-70E740481C1C}">
-                <a14:useLocalDpi xmlns:a14="http://schemas.microsoft.com/office/drawing/2010/main" val="0"/>
-              </a:ext>
-            </a:extLst>
-          </a:blip>
-          <a:stretch>
-            <a:fillRect/>
-          </a:stretch>
-        </p:blipFill>
-        <p:spPr>
+        </p:nvGrpSpPr>
+        <p:grpSpPr>
           <a:xfrm>
-            <a:off x="3609085" y="946241"/>
-            <a:ext cx="4973830" cy="4965517"/>
+            <a:off x="3502597" y="549000"/>
+            <a:ext cx="5760000" cy="5760000"/>
+            <a:chOff x="3502597" y="549000"/>
+            <a:chExt cx="5760000" cy="5760000"/>
           </a:xfrm>
-          <a:prstGeom prst="rect">
-            <a:avLst/>
-          </a:prstGeom>
-        </p:spPr>
-      </p:pic>
+        </p:grpSpPr>
+        <p:sp>
+          <p:nvSpPr>
+            <p:cNvPr id="2" name="Oval 1">
+              <a:extLst>
+                <a:ext uri="{FF2B5EF4-FFF2-40B4-BE49-F238E27FC236}">
+                  <a16:creationId xmlns:a16="http://schemas.microsoft.com/office/drawing/2014/main" id="{685286F3-2CC3-4C9F-BADE-5B39196CD9A4}"/>
+                </a:ext>
+              </a:extLst>
+            </p:cNvPr>
+            <p:cNvSpPr>
+              <a:spLocks noChangeAspect="1"/>
+            </p:cNvSpPr>
+            <p:nvPr/>
+          </p:nvSpPr>
+          <p:spPr>
+            <a:xfrm>
+              <a:off x="3502597" y="549000"/>
+              <a:ext cx="5760000" cy="5760000"/>
+            </a:xfrm>
+            <a:prstGeom prst="ellipse">
+              <a:avLst/>
+            </a:prstGeom>
+            <a:solidFill>
+              <a:schemeClr val="bg1"/>
+            </a:solidFill>
+            <a:ln w="76200"/>
+          </p:spPr>
+          <p:style>
+            <a:lnRef idx="2">
+              <a:schemeClr val="accent1">
+                <a:shade val="50000"/>
+              </a:schemeClr>
+            </a:lnRef>
+            <a:fillRef idx="1">
+              <a:schemeClr val="accent1"/>
+            </a:fillRef>
+            <a:effectRef idx="0">
+              <a:schemeClr val="accent1"/>
+            </a:effectRef>
+            <a:fontRef idx="minor">
+              <a:schemeClr val="lt1"/>
+            </a:fontRef>
+          </p:style>
+          <p:txBody>
+            <a:bodyPr rtlCol="0" anchor="ctr"/>
+            <a:lstStyle/>
+            <a:p>
+              <a:pPr algn="ctr"/>
+              <a:endParaRPr lang="en-IN"/>
+            </a:p>
+          </p:txBody>
+        </p:sp>
+        <p:pic>
+          <p:nvPicPr>
+            <p:cNvPr id="3" name="Picture 2" descr="Logo, icon&#10;&#10;Description automatically generated">
+              <a:extLst>
+                <a:ext uri="{FF2B5EF4-FFF2-40B4-BE49-F238E27FC236}">
+                  <a16:creationId xmlns:a16="http://schemas.microsoft.com/office/drawing/2014/main" id="{51DD3100-70FB-4D47-A036-4DA99A14E258}"/>
+                </a:ext>
+              </a:extLst>
+            </p:cNvPr>
+            <p:cNvPicPr>
+              <a:picLocks noChangeAspect="1"/>
+            </p:cNvPicPr>
+            <p:nvPr/>
+          </p:nvPicPr>
+          <p:blipFill rotWithShape="1">
+            <a:blip r:embed="rId2">
+              <a:extLst>
+                <a:ext uri="{28A0092B-C50C-407E-A947-70E740481C1C}">
+                  <a14:useLocalDpi xmlns:a14="http://schemas.microsoft.com/office/drawing/2010/main" val="0"/>
+                </a:ext>
+              </a:extLst>
+            </a:blip>
+            <a:srcRect l="11558" t="13319" r="13030" b="10578"/>
+            <a:stretch/>
+          </p:blipFill>
+          <p:spPr>
+            <a:xfrm>
+              <a:off x="4507144" y="1539551"/>
+              <a:ext cx="3750906" cy="3778898"/>
+            </a:xfrm>
+            <a:prstGeom prst="rect">
+              <a:avLst/>
+            </a:prstGeom>
+            <a:noFill/>
+          </p:spPr>
+        </p:pic>
+      </p:grpSp>
     </p:spTree>
     <p:extLst>
       <p:ext uri="{BB962C8B-B14F-4D97-AF65-F5344CB8AC3E}">

--- a/img/Icon.pptx
+++ b/img/Icon.pptx
@@ -6,9 +6,11 @@
   </p:sldMasterIdLst>
   <p:sldIdLst>
     <p:sldId id="260" r:id="rId2"/>
-    <p:sldId id="258" r:id="rId3"/>
-    <p:sldId id="259" r:id="rId4"/>
-    <p:sldId id="257" r:id="rId5"/>
+    <p:sldId id="262" r:id="rId3"/>
+    <p:sldId id="261" r:id="rId4"/>
+    <p:sldId id="258" r:id="rId5"/>
+    <p:sldId id="259" r:id="rId6"/>
+    <p:sldId id="257" r:id="rId7"/>
   </p:sldIdLst>
   <p:sldSz cx="12192000" cy="6858000"/>
   <p:notesSz cx="6858000" cy="9144000"/>
@@ -264,7 +266,7 @@
           <a:p>
             <a:fld id="{ABC79EE4-82C5-4AFA-8729-D69D7A5DCE83}" type="datetimeFigureOut">
               <a:rPr lang="en-IN" smtClean="0"/>
-              <a:t>15-11-2021</a:t>
+              <a:t>17-11-2021</a:t>
             </a:fld>
             <a:endParaRPr lang="en-IN"/>
           </a:p>
@@ -464,7 +466,7 @@
           <a:p>
             <a:fld id="{ABC79EE4-82C5-4AFA-8729-D69D7A5DCE83}" type="datetimeFigureOut">
               <a:rPr lang="en-IN" smtClean="0"/>
-              <a:t>15-11-2021</a:t>
+              <a:t>17-11-2021</a:t>
             </a:fld>
             <a:endParaRPr lang="en-IN"/>
           </a:p>
@@ -674,7 +676,7 @@
           <a:p>
             <a:fld id="{ABC79EE4-82C5-4AFA-8729-D69D7A5DCE83}" type="datetimeFigureOut">
               <a:rPr lang="en-IN" smtClean="0"/>
-              <a:t>15-11-2021</a:t>
+              <a:t>17-11-2021</a:t>
             </a:fld>
             <a:endParaRPr lang="en-IN"/>
           </a:p>
@@ -874,7 +876,7 @@
           <a:p>
             <a:fld id="{ABC79EE4-82C5-4AFA-8729-D69D7A5DCE83}" type="datetimeFigureOut">
               <a:rPr lang="en-IN" smtClean="0"/>
-              <a:t>15-11-2021</a:t>
+              <a:t>17-11-2021</a:t>
             </a:fld>
             <a:endParaRPr lang="en-IN"/>
           </a:p>
@@ -1150,7 +1152,7 @@
           <a:p>
             <a:fld id="{ABC79EE4-82C5-4AFA-8729-D69D7A5DCE83}" type="datetimeFigureOut">
               <a:rPr lang="en-IN" smtClean="0"/>
-              <a:t>15-11-2021</a:t>
+              <a:t>17-11-2021</a:t>
             </a:fld>
             <a:endParaRPr lang="en-IN"/>
           </a:p>
@@ -1418,7 +1420,7 @@
           <a:p>
             <a:fld id="{ABC79EE4-82C5-4AFA-8729-D69D7A5DCE83}" type="datetimeFigureOut">
               <a:rPr lang="en-IN" smtClean="0"/>
-              <a:t>15-11-2021</a:t>
+              <a:t>17-11-2021</a:t>
             </a:fld>
             <a:endParaRPr lang="en-IN"/>
           </a:p>
@@ -1833,7 +1835,7 @@
           <a:p>
             <a:fld id="{ABC79EE4-82C5-4AFA-8729-D69D7A5DCE83}" type="datetimeFigureOut">
               <a:rPr lang="en-IN" smtClean="0"/>
-              <a:t>15-11-2021</a:t>
+              <a:t>17-11-2021</a:t>
             </a:fld>
             <a:endParaRPr lang="en-IN"/>
           </a:p>
@@ -1975,7 +1977,7 @@
           <a:p>
             <a:fld id="{ABC79EE4-82C5-4AFA-8729-D69D7A5DCE83}" type="datetimeFigureOut">
               <a:rPr lang="en-IN" smtClean="0"/>
-              <a:t>15-11-2021</a:t>
+              <a:t>17-11-2021</a:t>
             </a:fld>
             <a:endParaRPr lang="en-IN"/>
           </a:p>
@@ -2088,7 +2090,7 @@
           <a:p>
             <a:fld id="{ABC79EE4-82C5-4AFA-8729-D69D7A5DCE83}" type="datetimeFigureOut">
               <a:rPr lang="en-IN" smtClean="0"/>
-              <a:t>15-11-2021</a:t>
+              <a:t>17-11-2021</a:t>
             </a:fld>
             <a:endParaRPr lang="en-IN"/>
           </a:p>
@@ -2401,7 +2403,7 @@
           <a:p>
             <a:fld id="{ABC79EE4-82C5-4AFA-8729-D69D7A5DCE83}" type="datetimeFigureOut">
               <a:rPr lang="en-IN" smtClean="0"/>
-              <a:t>15-11-2021</a:t>
+              <a:t>17-11-2021</a:t>
             </a:fld>
             <a:endParaRPr lang="en-IN"/>
           </a:p>
@@ -2690,7 +2692,7 @@
           <a:p>
             <a:fld id="{ABC79EE4-82C5-4AFA-8729-D69D7A5DCE83}" type="datetimeFigureOut">
               <a:rPr lang="en-IN" smtClean="0"/>
-              <a:t>15-11-2021</a:t>
+              <a:t>17-11-2021</a:t>
             </a:fld>
             <a:endParaRPr lang="en-IN"/>
           </a:p>
@@ -2933,7 +2935,7 @@
           <a:p>
             <a:fld id="{ABC79EE4-82C5-4AFA-8729-D69D7A5DCE83}" type="datetimeFigureOut">
               <a:rPr lang="en-IN" smtClean="0"/>
-              <a:t>15-11-2021</a:t>
+              <a:t>17-11-2021</a:t>
             </a:fld>
             <a:endParaRPr lang="en-IN"/>
           </a:p>
@@ -3352,6 +3354,255 @@
       </p:grpSpPr>
       <p:grpSp>
         <p:nvGrpSpPr>
+          <p:cNvPr id="23" name="Group 22">
+            <a:extLst>
+              <a:ext uri="{FF2B5EF4-FFF2-40B4-BE49-F238E27FC236}">
+                <a16:creationId xmlns:a16="http://schemas.microsoft.com/office/drawing/2014/main" id="{0A997656-E523-463C-BEE7-28BC6539E124}"/>
+              </a:ext>
+            </a:extLst>
+          </p:cNvPr>
+          <p:cNvGrpSpPr/>
+          <p:nvPr/>
+        </p:nvGrpSpPr>
+        <p:grpSpPr>
+          <a:xfrm>
+            <a:off x="4055362" y="1851436"/>
+            <a:ext cx="2736000" cy="2736000"/>
+            <a:chOff x="4055362" y="1851436"/>
+            <a:chExt cx="2736000" cy="2736000"/>
+          </a:xfrm>
+        </p:grpSpPr>
+        <p:sp>
+          <p:nvSpPr>
+            <p:cNvPr id="21" name="Rectangle 20">
+              <a:extLst>
+                <a:ext uri="{FF2B5EF4-FFF2-40B4-BE49-F238E27FC236}">
+                  <a16:creationId xmlns:a16="http://schemas.microsoft.com/office/drawing/2014/main" id="{D3CEE3FB-8174-47AB-830B-8DB5C27EDA7C}"/>
+                </a:ext>
+              </a:extLst>
+            </p:cNvPr>
+            <p:cNvSpPr>
+              <a:spLocks/>
+            </p:cNvSpPr>
+            <p:nvPr/>
+          </p:nvSpPr>
+          <p:spPr>
+            <a:xfrm>
+              <a:off x="4055362" y="1851436"/>
+              <a:ext cx="2736000" cy="2736000"/>
+            </a:xfrm>
+            <a:prstGeom prst="rect">
+              <a:avLst/>
+            </a:prstGeom>
+            <a:solidFill>
+              <a:schemeClr val="bg1"/>
+            </a:solidFill>
+            <a:ln>
+              <a:noFill/>
+            </a:ln>
+          </p:spPr>
+          <p:style>
+            <a:lnRef idx="2">
+              <a:schemeClr val="accent1">
+                <a:shade val="50000"/>
+              </a:schemeClr>
+            </a:lnRef>
+            <a:fillRef idx="1">
+              <a:schemeClr val="accent1"/>
+            </a:fillRef>
+            <a:effectRef idx="0">
+              <a:schemeClr val="accent1"/>
+            </a:effectRef>
+            <a:fontRef idx="minor">
+              <a:schemeClr val="lt1"/>
+            </a:fontRef>
+          </p:style>
+          <p:txBody>
+            <a:bodyPr rtlCol="0" anchor="ctr"/>
+            <a:lstStyle/>
+            <a:p>
+              <a:pPr algn="ctr"/>
+              <a:endParaRPr lang="en-IN"/>
+            </a:p>
+          </p:txBody>
+        </p:sp>
+        <p:pic>
+          <p:nvPicPr>
+            <p:cNvPr id="19" name="Graphic 18" descr="Medical with solid fill">
+              <a:extLst>
+                <a:ext uri="{FF2B5EF4-FFF2-40B4-BE49-F238E27FC236}">
+                  <a16:creationId xmlns:a16="http://schemas.microsoft.com/office/drawing/2014/main" id="{2C9A93FB-B1A2-4D5B-8119-DBE3A89DF3EB}"/>
+                </a:ext>
+              </a:extLst>
+            </p:cNvPr>
+            <p:cNvPicPr>
+              <a:picLocks noChangeAspect="1"/>
+            </p:cNvPicPr>
+            <p:nvPr/>
+          </p:nvPicPr>
+          <p:blipFill>
+            <a:blip r:embed="rId2">
+              <a:extLst>
+                <a:ext uri="{28A0092B-C50C-407E-A947-70E740481C1C}">
+                  <a14:useLocalDpi xmlns:a14="http://schemas.microsoft.com/office/drawing/2010/main" val="0"/>
+                </a:ext>
+                <a:ext uri="{96DAC541-7B7A-43D3-8B79-37D633B846F1}">
+                  <asvg:svgBlip xmlns:asvg="http://schemas.microsoft.com/office/drawing/2016/SVG/main" r:embed="rId3"/>
+                </a:ext>
+              </a:extLst>
+            </a:blip>
+            <a:stretch>
+              <a:fillRect/>
+            </a:stretch>
+          </p:blipFill>
+          <p:spPr>
+            <a:xfrm>
+              <a:off x="4055362" y="1851436"/>
+              <a:ext cx="2736000" cy="2736000"/>
+            </a:xfrm>
+            <a:prstGeom prst="rect">
+              <a:avLst/>
+            </a:prstGeom>
+          </p:spPr>
+        </p:pic>
+        <p:pic>
+          <p:nvPicPr>
+            <p:cNvPr id="17" name="Graphic 16" descr="Processor outline">
+              <a:extLst>
+                <a:ext uri="{FF2B5EF4-FFF2-40B4-BE49-F238E27FC236}">
+                  <a16:creationId xmlns:a16="http://schemas.microsoft.com/office/drawing/2014/main" id="{5F0FFF69-B3EC-49E6-BD2C-2BFBE3304D72}"/>
+                </a:ext>
+              </a:extLst>
+            </p:cNvPr>
+            <p:cNvPicPr>
+              <a:picLocks noChangeAspect="1"/>
+            </p:cNvPicPr>
+            <p:nvPr/>
+          </p:nvPicPr>
+          <p:blipFill>
+            <a:blip r:embed="rId4">
+              <a:extLst>
+                <a:ext uri="{28A0092B-C50C-407E-A947-70E740481C1C}">
+                  <a14:useLocalDpi xmlns:a14="http://schemas.microsoft.com/office/drawing/2010/main" val="0"/>
+                </a:ext>
+                <a:ext uri="{96DAC541-7B7A-43D3-8B79-37D633B846F1}">
+                  <asvg:svgBlip xmlns:asvg="http://schemas.microsoft.com/office/drawing/2016/SVG/main" r:embed="rId5"/>
+                </a:ext>
+              </a:extLst>
+            </a:blip>
+            <a:stretch>
+              <a:fillRect/>
+            </a:stretch>
+          </p:blipFill>
+          <p:spPr>
+            <a:xfrm>
+              <a:off x="4973032" y="2769106"/>
+              <a:ext cx="900659" cy="900659"/>
+            </a:xfrm>
+            <a:prstGeom prst="rect">
+              <a:avLst/>
+            </a:prstGeom>
+          </p:spPr>
+        </p:pic>
+      </p:grpSp>
+    </p:spTree>
+    <p:extLst>
+      <p:ext uri="{BB962C8B-B14F-4D97-AF65-F5344CB8AC3E}">
+        <p14:creationId xmlns:p14="http://schemas.microsoft.com/office/powerpoint/2010/main" val="1690487821"/>
+      </p:ext>
+    </p:extLst>
+  </p:cSld>
+  <p:clrMapOvr>
+    <a:masterClrMapping/>
+  </p:clrMapOvr>
+</p:sld>
+</file>
+
+<file path=ppt/slides/slide2.xml><?xml version="1.0" encoding="utf-8"?>
+<p:sld xmlns:a="http://schemas.openxmlformats.org/drawingml/2006/main" xmlns:r="http://schemas.openxmlformats.org/officeDocument/2006/relationships" xmlns:p="http://schemas.openxmlformats.org/presentationml/2006/main">
+  <p:cSld>
+    <p:spTree>
+      <p:nvGrpSpPr>
+        <p:cNvPr id="1" name=""/>
+        <p:cNvGrpSpPr/>
+        <p:nvPr/>
+      </p:nvGrpSpPr>
+      <p:grpSpPr>
+        <a:xfrm>
+          <a:off x="0" y="0"/>
+          <a:ext cx="0" cy="0"/>
+          <a:chOff x="0" y="0"/>
+          <a:chExt cx="0" cy="0"/>
+        </a:xfrm>
+      </p:grpSpPr>
+      <p:pic>
+        <p:nvPicPr>
+          <p:cNvPr id="13" name="Picture 12" descr="A picture containing text, outdoor object&#10;&#10;Description automatically generated">
+            <a:extLst>
+              <a:ext uri="{FF2B5EF4-FFF2-40B4-BE49-F238E27FC236}">
+                <a16:creationId xmlns:a16="http://schemas.microsoft.com/office/drawing/2014/main" id="{8623B68C-5C98-4C8D-95D8-71897A2B00EC}"/>
+              </a:ext>
+            </a:extLst>
+          </p:cNvPr>
+          <p:cNvPicPr>
+            <a:picLocks noChangeAspect="1"/>
+          </p:cNvPicPr>
+          <p:nvPr/>
+        </p:nvPicPr>
+        <p:blipFill>
+          <a:blip r:embed="rId2">
+            <a:extLst>
+              <a:ext uri="{28A0092B-C50C-407E-A947-70E740481C1C}">
+                <a14:useLocalDpi xmlns:a14="http://schemas.microsoft.com/office/drawing/2010/main" val="0"/>
+              </a:ext>
+            </a:extLst>
+          </a:blip>
+          <a:stretch>
+            <a:fillRect/>
+          </a:stretch>
+        </p:blipFill>
+        <p:spPr>
+          <a:xfrm>
+            <a:off x="4876800" y="2209800"/>
+            <a:ext cx="2438400" cy="2438400"/>
+          </a:xfrm>
+          <a:prstGeom prst="rect">
+            <a:avLst/>
+          </a:prstGeom>
+        </p:spPr>
+      </p:pic>
+    </p:spTree>
+    <p:extLst>
+      <p:ext uri="{BB962C8B-B14F-4D97-AF65-F5344CB8AC3E}">
+        <p14:creationId xmlns:p14="http://schemas.microsoft.com/office/powerpoint/2010/main" val="4204264007"/>
+      </p:ext>
+    </p:extLst>
+  </p:cSld>
+  <p:clrMapOvr>
+    <a:masterClrMapping/>
+  </p:clrMapOvr>
+</p:sld>
+</file>
+
+<file path=ppt/slides/slide3.xml><?xml version="1.0" encoding="utf-8"?>
+<p:sld xmlns:a="http://schemas.openxmlformats.org/drawingml/2006/main" xmlns:r="http://schemas.openxmlformats.org/officeDocument/2006/relationships" xmlns:p="http://schemas.openxmlformats.org/presentationml/2006/main">
+  <p:cSld>
+    <p:spTree>
+      <p:nvGrpSpPr>
+        <p:cNvPr id="1" name=""/>
+        <p:cNvGrpSpPr/>
+        <p:nvPr/>
+      </p:nvGrpSpPr>
+      <p:grpSpPr>
+        <a:xfrm>
+          <a:off x="0" y="0"/>
+          <a:ext cx="0" cy="0"/>
+          <a:chOff x="0" y="0"/>
+          <a:chExt cx="0" cy="0"/>
+        </a:xfrm>
+      </p:grpSpPr>
+      <p:grpSp>
+        <p:nvGrpSpPr>
           <p:cNvPr id="4" name="Group 3">
             <a:extLst>
               <a:ext uri="{FF2B5EF4-FFF2-40B4-BE49-F238E27FC236}">
@@ -3462,7 +3713,7 @@
     </p:spTree>
     <p:extLst>
       <p:ext uri="{BB962C8B-B14F-4D97-AF65-F5344CB8AC3E}">
-        <p14:creationId xmlns:p14="http://schemas.microsoft.com/office/powerpoint/2010/main" val="1690487821"/>
+        <p14:creationId xmlns:p14="http://schemas.microsoft.com/office/powerpoint/2010/main" val="3991868166"/>
       </p:ext>
     </p:extLst>
   </p:cSld>
@@ -3472,7 +3723,7 @@
 </p:sld>
 </file>
 
-<file path=ppt/slides/slide2.xml><?xml version="1.0" encoding="utf-8"?>
+<file path=ppt/slides/slide4.xml><?xml version="1.0" encoding="utf-8"?>
 <p:sld xmlns:a="http://schemas.openxmlformats.org/drawingml/2006/main" xmlns:r="http://schemas.openxmlformats.org/officeDocument/2006/relationships" xmlns:p="http://schemas.openxmlformats.org/presentationml/2006/main">
   <p:cSld>
     <p:spTree>
@@ -3663,7 +3914,7 @@
 </p:sld>
 </file>
 
-<file path=ppt/slides/slide3.xml><?xml version="1.0" encoding="utf-8"?>
+<file path=ppt/slides/slide5.xml><?xml version="1.0" encoding="utf-8"?>
 <p:sld xmlns:a="http://schemas.openxmlformats.org/drawingml/2006/main" xmlns:r="http://schemas.openxmlformats.org/officeDocument/2006/relationships" xmlns:p="http://schemas.openxmlformats.org/presentationml/2006/main">
   <p:cSld>
     <p:spTree>
@@ -3851,7 +4102,7 @@
 </p:sld>
 </file>
 
-<file path=ppt/slides/slide4.xml><?xml version="1.0" encoding="utf-8"?>
+<file path=ppt/slides/slide6.xml><?xml version="1.0" encoding="utf-8"?>
 <p:sld xmlns:a="http://schemas.openxmlformats.org/drawingml/2006/main" xmlns:r="http://schemas.openxmlformats.org/officeDocument/2006/relationships" xmlns:p="http://schemas.openxmlformats.org/presentationml/2006/main">
   <p:cSld>
     <p:spTree>

--- a/img/Icon.pptx
+++ b/img/Icon.pptx
@@ -3354,10 +3354,10 @@
       </p:grpSpPr>
       <p:grpSp>
         <p:nvGrpSpPr>
-          <p:cNvPr id="23" name="Group 22">
-            <a:extLst>
-              <a:ext uri="{FF2B5EF4-FFF2-40B4-BE49-F238E27FC236}">
-                <a16:creationId xmlns:a16="http://schemas.microsoft.com/office/drawing/2014/main" id="{0A997656-E523-463C-BEE7-28BC6539E124}"/>
+          <p:cNvPr id="2" name="Group 1">
+            <a:extLst>
+              <a:ext uri="{FF2B5EF4-FFF2-40B4-BE49-F238E27FC236}">
+                <a16:creationId xmlns:a16="http://schemas.microsoft.com/office/drawing/2014/main" id="{43F6EBCD-4C30-4016-940B-E1D5906747C9}"/>
               </a:ext>
             </a:extLst>
           </p:cNvPr>

--- a/img/Icon.pptx
+++ b/img/Icon.pptx
@@ -266,7 +266,7 @@
           <a:p>
             <a:fld id="{ABC79EE4-82C5-4AFA-8729-D69D7A5DCE83}" type="datetimeFigureOut">
               <a:rPr lang="en-IN" smtClean="0"/>
-              <a:t>17-11-2021</a:t>
+              <a:t>08-01-2022</a:t>
             </a:fld>
             <a:endParaRPr lang="en-IN"/>
           </a:p>
@@ -466,7 +466,7 @@
           <a:p>
             <a:fld id="{ABC79EE4-82C5-4AFA-8729-D69D7A5DCE83}" type="datetimeFigureOut">
               <a:rPr lang="en-IN" smtClean="0"/>
-              <a:t>17-11-2021</a:t>
+              <a:t>08-01-2022</a:t>
             </a:fld>
             <a:endParaRPr lang="en-IN"/>
           </a:p>
@@ -676,7 +676,7 @@
           <a:p>
             <a:fld id="{ABC79EE4-82C5-4AFA-8729-D69D7A5DCE83}" type="datetimeFigureOut">
               <a:rPr lang="en-IN" smtClean="0"/>
-              <a:t>17-11-2021</a:t>
+              <a:t>08-01-2022</a:t>
             </a:fld>
             <a:endParaRPr lang="en-IN"/>
           </a:p>
@@ -876,7 +876,7 @@
           <a:p>
             <a:fld id="{ABC79EE4-82C5-4AFA-8729-D69D7A5DCE83}" type="datetimeFigureOut">
               <a:rPr lang="en-IN" smtClean="0"/>
-              <a:t>17-11-2021</a:t>
+              <a:t>08-01-2022</a:t>
             </a:fld>
             <a:endParaRPr lang="en-IN"/>
           </a:p>
@@ -1152,7 +1152,7 @@
           <a:p>
             <a:fld id="{ABC79EE4-82C5-4AFA-8729-D69D7A5DCE83}" type="datetimeFigureOut">
               <a:rPr lang="en-IN" smtClean="0"/>
-              <a:t>17-11-2021</a:t>
+              <a:t>08-01-2022</a:t>
             </a:fld>
             <a:endParaRPr lang="en-IN"/>
           </a:p>
@@ -1420,7 +1420,7 @@
           <a:p>
             <a:fld id="{ABC79EE4-82C5-4AFA-8729-D69D7A5DCE83}" type="datetimeFigureOut">
               <a:rPr lang="en-IN" smtClean="0"/>
-              <a:t>17-11-2021</a:t>
+              <a:t>08-01-2022</a:t>
             </a:fld>
             <a:endParaRPr lang="en-IN"/>
           </a:p>
@@ -1835,7 +1835,7 @@
           <a:p>
             <a:fld id="{ABC79EE4-82C5-4AFA-8729-D69D7A5DCE83}" type="datetimeFigureOut">
               <a:rPr lang="en-IN" smtClean="0"/>
-              <a:t>17-11-2021</a:t>
+              <a:t>08-01-2022</a:t>
             </a:fld>
             <a:endParaRPr lang="en-IN"/>
           </a:p>
@@ -1977,7 +1977,7 @@
           <a:p>
             <a:fld id="{ABC79EE4-82C5-4AFA-8729-D69D7A5DCE83}" type="datetimeFigureOut">
               <a:rPr lang="en-IN" smtClean="0"/>
-              <a:t>17-11-2021</a:t>
+              <a:t>08-01-2022</a:t>
             </a:fld>
             <a:endParaRPr lang="en-IN"/>
           </a:p>
@@ -2090,7 +2090,7 @@
           <a:p>
             <a:fld id="{ABC79EE4-82C5-4AFA-8729-D69D7A5DCE83}" type="datetimeFigureOut">
               <a:rPr lang="en-IN" smtClean="0"/>
-              <a:t>17-11-2021</a:t>
+              <a:t>08-01-2022</a:t>
             </a:fld>
             <a:endParaRPr lang="en-IN"/>
           </a:p>
@@ -2403,7 +2403,7 @@
           <a:p>
             <a:fld id="{ABC79EE4-82C5-4AFA-8729-D69D7A5DCE83}" type="datetimeFigureOut">
               <a:rPr lang="en-IN" smtClean="0"/>
-              <a:t>17-11-2021</a:t>
+              <a:t>08-01-2022</a:t>
             </a:fld>
             <a:endParaRPr lang="en-IN"/>
           </a:p>
@@ -2692,7 +2692,7 @@
           <a:p>
             <a:fld id="{ABC79EE4-82C5-4AFA-8729-D69D7A5DCE83}" type="datetimeFigureOut">
               <a:rPr lang="en-IN" smtClean="0"/>
-              <a:t>17-11-2021</a:t>
+              <a:t>08-01-2022</a:t>
             </a:fld>
             <a:endParaRPr lang="en-IN"/>
           </a:p>
@@ -2935,7 +2935,7 @@
           <a:p>
             <a:fld id="{ABC79EE4-82C5-4AFA-8729-D69D7A5DCE83}" type="datetimeFigureOut">
               <a:rPr lang="en-IN" smtClean="0"/>
-              <a:t>17-11-2021</a:t>
+              <a:t>08-01-2022</a:t>
             </a:fld>
             <a:endParaRPr lang="en-IN"/>
           </a:p>
@@ -3481,6 +3481,13 @@
           </p:nvPicPr>
           <p:blipFill>
             <a:blip r:embed="rId4">
+              <a:duotone>
+                <a:prstClr val="black"/>
+                <a:schemeClr val="accent5">
+                  <a:tint val="45000"/>
+                  <a:satMod val="400000"/>
+                </a:schemeClr>
+              </a:duotone>
               <a:extLst>
                 <a:ext uri="{28A0092B-C50C-407E-A947-70E740481C1C}">
                   <a14:useLocalDpi xmlns:a14="http://schemas.microsoft.com/office/drawing/2010/main" val="0"/>
